--- a/주차별 상세/최종보고/CAPSTONE PPT(FINAL).pptx
+++ b/주차별 상세/최종보고/CAPSTONE PPT(FINAL).pptx
@@ -11722,7 +11722,7 @@
             <a:pPr algn="ctr"/>
             <a:r>
               <a:rPr lang="en-US" altLang="ko-KR" dirty="0"/>
-              <a:t>- Resolving missing values using the branch average</a:t>
+              <a:t>- Resolving missing values using the quarter average</a:t>
             </a:r>
           </a:p>
           <a:p>
@@ -13942,7 +13942,7 @@
         <p:spPr>
           <a:xfrm>
             <a:off x="4531776" y="2127778"/>
-            <a:ext cx="3689921" cy="3693319"/>
+            <a:ext cx="3804439" cy="2585323"/>
           </a:xfrm>
           <a:prstGeom prst="rect">
             <a:avLst/>
@@ -13979,12 +13979,8 @@
               <a:t> 10 </a:t>
             </a:r>
             <a:r>
-              <a:rPr lang="ko-KR" altLang="en-US" dirty="0" err="1"/>
-              <a:t>chosen</a:t>
-            </a:r>
-            <a:r>
-              <a:rPr lang="ko-KR" altLang="en-US" dirty="0"/>
-              <a:t> </a:t>
+              <a:rPr lang="en-US" altLang="ko-KR" dirty="0"/>
+              <a:t>selected </a:t>
             </a:r>
             <a:r>
               <a:rPr lang="ko-KR" altLang="en-US" dirty="0" err="1"/>
@@ -14026,21 +14022,18 @@
             <a:endParaRPr lang="en-US" altLang="ko-KR" dirty="0"/>
           </a:p>
           <a:p>
+            <a:endParaRPr lang="en-US" altLang="ko-KR" dirty="0"/>
+          </a:p>
+          <a:p>
             <a:r>
               <a:rPr lang="en-US" altLang="ko-KR" dirty="0"/>
-              <a:t>The bankruptcy rate</a:t>
+              <a:t>The bankruptcy rate was calculated </a:t>
             </a:r>
           </a:p>
           <a:p>
             <a:r>
               <a:rPr lang="en-US" altLang="ko-KR" dirty="0"/>
-              <a:t>was calculated dividing </a:t>
-            </a:r>
-          </a:p>
-          <a:p>
-            <a:r>
-              <a:rPr lang="en-US" altLang="ko-KR" dirty="0"/>
-              <a:t>by the All 12 after multiplied </a:t>
+              <a:t>dividing by the All 12 after multiplied </a:t>
             </a:r>
           </a:p>
           <a:p>
@@ -14048,28 +14041,6 @@
               <a:rPr lang="en-US" altLang="ko-KR" dirty="0"/>
               <a:t>by the weighted values and features.</a:t>
             </a:r>
-          </a:p>
-          <a:p>
-            <a:endParaRPr lang="en-US" altLang="ko-KR" dirty="0"/>
-          </a:p>
-          <a:p>
-            <a:r>
-              <a:rPr lang="en-US" altLang="ko-KR" dirty="0"/>
-              <a:t>The bankruptcy rate </a:t>
-            </a:r>
-          </a:p>
-          <a:p>
-            <a:r>
-              <a:rPr lang="en-US" altLang="ko-KR" dirty="0"/>
-              <a:t>was displayed up to </a:t>
-            </a:r>
-          </a:p>
-          <a:p>
-            <a:r>
-              <a:rPr lang="en-US" altLang="ko-KR" dirty="0"/>
-              <a:t>the second decimal place.</a:t>
-            </a:r>
-            <a:endParaRPr lang="ko-KR" altLang="en-US" dirty="0"/>
           </a:p>
         </p:txBody>
       </p:sp>
@@ -15071,7 +15042,7 @@
 </file>
 
 <file path=ppt/slides/slide21.xml><?xml version="1.0" encoding="utf-8"?>
-<p:sld xmlns:a="http://schemas.openxmlformats.org/drawingml/2006/main" xmlns:r="http://schemas.openxmlformats.org/officeDocument/2006/relationships" xmlns:p="http://schemas.openxmlformats.org/presentationml/2006/main">
+<p:sld xmlns:a="http://schemas.openxmlformats.org/drawingml/2006/main" xmlns:r="http://schemas.openxmlformats.org/officeDocument/2006/relationships" xmlns:p="http://schemas.openxmlformats.org/presentationml/2006/main" show="0">
   <p:cSld>
     <p:spTree>
       <p:nvGrpSpPr>
@@ -20997,8 +20968,8 @@
         </p:nvSpPr>
         <p:spPr>
           <a:xfrm>
-            <a:off x="2170071" y="2156966"/>
-            <a:ext cx="4723409" cy="1077218"/>
+            <a:off x="1799585" y="2156966"/>
+            <a:ext cx="5464381" cy="1077218"/>
           </a:xfrm>
           <a:prstGeom prst="rect">
             <a:avLst/>
@@ -21035,7 +21006,7 @@
                 <a:ea typeface="나눔스퀘어_ac Bold"/>
                 <a:hlinkClick r:id="rId2"/>
               </a:rPr>
-              <a:t>https://</a:t>
+              <a:t>https://f1b28b326635.ngrok.io</a:t>
             </a:r>
             <a:endParaRPr lang="en-US" altLang="ko-KR" sz="3200" dirty="0">
               <a:solidFill>

--- a/주차별 상세/최종보고/CAPSTONE PPT(FINAL).pptx
+++ b/주차별 상세/최종보고/CAPSTONE PPT(FINAL).pptx
@@ -4896,8 +4896,8 @@
               <a:t> </a:t>
             </a:r>
             <a:r>
-              <a:rPr lang="ko-KR" altLang="en-US" sz="2400" dirty="0" err="1"/>
-              <a:t>January</a:t>
+              <a:rPr lang="en-US" altLang="ko-KR" sz="2400" dirty="0"/>
+              <a:t>Feb</a:t>
             </a:r>
             <a:r>
               <a:rPr lang="ko-KR" altLang="en-US" sz="2400" dirty="0"/>
@@ -4912,8 +4912,8 @@
               <a:t> </a:t>
             </a:r>
             <a:r>
-              <a:rPr lang="ko-KR" altLang="en-US" sz="2400" dirty="0" err="1"/>
-              <a:t>February</a:t>
+              <a:rPr lang="en-US" altLang="ko-KR" sz="2400" dirty="0"/>
+              <a:t>Jan</a:t>
             </a:r>
             <a:r>
               <a:rPr lang="ko-KR" altLang="en-US" sz="2400" dirty="0"/>
